--- a/HackersWeek2019_BeReactiveXMyFriend.pptx
+++ b/HackersWeek2019_BeReactiveXMyFriend.pptx
@@ -7447,7 +7447,7 @@
                 <a:ea typeface="Roboto" charset="0"/>
                 <a:cs typeface="Roboto" charset="0"/>
               </a:rPr>
-              <a:t>#HackersWeek2019</a:t>
+              <a:t>#HackersWeek6</a:t>
             </a:r>
             <a:endParaRPr lang="es-ES_tradnl" sz="2700" dirty="0">
               <a:solidFill>
